--- a/trunk/documents/thesis/TQLBO-paper/marco teorico/camello_enhanced.pptx
+++ b/trunk/documents/thesis/TQLBO-paper/marco teorico/camello_enhanced.pptx
@@ -8,7 +8,7 @@
     <p:sldId id="256" r:id="rId2"/>
   </p:sldIdLst>
   <p:sldSz cx="9753600" cy="6456363"/>
-  <p:notesSz cx="5999163" cy="9294813"/>
+  <p:notesSz cx="5999163" cy="9299575"/>
   <p:defaultTextStyle>
     <a:defPPr>
       <a:defRPr lang="es-CO"/>
@@ -288,7 +288,7 @@
           <a:p>
             <a:fld id="{248DE3C2-08D5-4A5D-B92F-A11D6574412E}" type="datetimeFigureOut">
               <a:rPr lang="es-CO" smtClean="0"/>
-              <a:t>10/12/2012</a:t>
+              <a:t>11/12/2012</a:t>
             </a:fld>
             <a:endParaRPr lang="es-CO"/>
           </a:p>
@@ -458,7 +458,7 @@
           <a:p>
             <a:fld id="{248DE3C2-08D5-4A5D-B92F-A11D6574412E}" type="datetimeFigureOut">
               <a:rPr lang="es-CO" smtClean="0"/>
-              <a:t>10/12/2012</a:t>
+              <a:t>11/12/2012</a:t>
             </a:fld>
             <a:endParaRPr lang="es-CO"/>
           </a:p>
@@ -638,7 +638,7 @@
           <a:p>
             <a:fld id="{248DE3C2-08D5-4A5D-B92F-A11D6574412E}" type="datetimeFigureOut">
               <a:rPr lang="es-CO" smtClean="0"/>
-              <a:t>10/12/2012</a:t>
+              <a:t>11/12/2012</a:t>
             </a:fld>
             <a:endParaRPr lang="es-CO"/>
           </a:p>
@@ -808,7 +808,7 @@
           <a:p>
             <a:fld id="{248DE3C2-08D5-4A5D-B92F-A11D6574412E}" type="datetimeFigureOut">
               <a:rPr lang="es-CO" smtClean="0"/>
-              <a:t>10/12/2012</a:t>
+              <a:t>11/12/2012</a:t>
             </a:fld>
             <a:endParaRPr lang="es-CO"/>
           </a:p>
@@ -1054,7 +1054,7 @@
           <a:p>
             <a:fld id="{248DE3C2-08D5-4A5D-B92F-A11D6574412E}" type="datetimeFigureOut">
               <a:rPr lang="es-CO" smtClean="0"/>
-              <a:t>10/12/2012</a:t>
+              <a:t>11/12/2012</a:t>
             </a:fld>
             <a:endParaRPr lang="es-CO"/>
           </a:p>
@@ -1342,7 +1342,7 @@
           <a:p>
             <a:fld id="{248DE3C2-08D5-4A5D-B92F-A11D6574412E}" type="datetimeFigureOut">
               <a:rPr lang="es-CO" smtClean="0"/>
-              <a:t>10/12/2012</a:t>
+              <a:t>11/12/2012</a:t>
             </a:fld>
             <a:endParaRPr lang="es-CO"/>
           </a:p>
@@ -1769,7 +1769,7 @@
           <a:p>
             <a:fld id="{248DE3C2-08D5-4A5D-B92F-A11D6574412E}" type="datetimeFigureOut">
               <a:rPr lang="es-CO" smtClean="0"/>
-              <a:t>10/12/2012</a:t>
+              <a:t>11/12/2012</a:t>
             </a:fld>
             <a:endParaRPr lang="es-CO"/>
           </a:p>
@@ -1887,7 +1887,7 @@
           <a:p>
             <a:fld id="{248DE3C2-08D5-4A5D-B92F-A11D6574412E}" type="datetimeFigureOut">
               <a:rPr lang="es-CO" smtClean="0"/>
-              <a:t>10/12/2012</a:t>
+              <a:t>11/12/2012</a:t>
             </a:fld>
             <a:endParaRPr lang="es-CO"/>
           </a:p>
@@ -1982,7 +1982,7 @@
           <a:p>
             <a:fld id="{248DE3C2-08D5-4A5D-B92F-A11D6574412E}" type="datetimeFigureOut">
               <a:rPr lang="es-CO" smtClean="0"/>
-              <a:t>10/12/2012</a:t>
+              <a:t>11/12/2012</a:t>
             </a:fld>
             <a:endParaRPr lang="es-CO"/>
           </a:p>
@@ -2259,7 +2259,7 @@
           <a:p>
             <a:fld id="{248DE3C2-08D5-4A5D-B92F-A11D6574412E}" type="datetimeFigureOut">
               <a:rPr lang="es-CO" smtClean="0"/>
-              <a:t>10/12/2012</a:t>
+              <a:t>11/12/2012</a:t>
             </a:fld>
             <a:endParaRPr lang="es-CO"/>
           </a:p>
@@ -2512,7 +2512,7 @@
           <a:p>
             <a:fld id="{248DE3C2-08D5-4A5D-B92F-A11D6574412E}" type="datetimeFigureOut">
               <a:rPr lang="es-CO" smtClean="0"/>
-              <a:t>10/12/2012</a:t>
+              <a:t>11/12/2012</a:t>
             </a:fld>
             <a:endParaRPr lang="es-CO"/>
           </a:p>
@@ -2725,7 +2725,7 @@
           <a:p>
             <a:fld id="{248DE3C2-08D5-4A5D-B92F-A11D6574412E}" type="datetimeFigureOut">
               <a:rPr lang="es-CO" smtClean="0"/>
-              <a:t>10/12/2012</a:t>
+              <a:t>11/12/2012</a:t>
             </a:fld>
             <a:endParaRPr lang="es-CO"/>
           </a:p>
@@ -3163,7 +3163,7 @@
           <a:graphicData uri="http://schemas.openxmlformats.org/presentationml/2006/ole">
             <mc:AlternateContent xmlns:mc="http://schemas.openxmlformats.org/markup-compatibility/2006">
               <mc:Choice xmlns:v="urn:schemas-microsoft-com:vml" Requires="v">
-                <p:oleObj spid="_x0000_s1091" name="Ecuación" r:id="rId4" imgW="723600" imgH="177480" progId="Equation.3">
+                <p:oleObj spid="_x0000_s1103" name="Ecuación" r:id="rId4" imgW="723600" imgH="177480" progId="Equation.3">
                   <p:embed/>
                 </p:oleObj>
               </mc:Choice>
@@ -3220,7 +3220,7 @@
           <a:graphicData uri="http://schemas.openxmlformats.org/presentationml/2006/ole">
             <mc:AlternateContent xmlns:mc="http://schemas.openxmlformats.org/markup-compatibility/2006">
               <mc:Choice xmlns:v="urn:schemas-microsoft-com:vml" Requires="v">
-                <p:oleObj spid="_x0000_s1092" name="Ecuación" r:id="rId6" imgW="647640" imgH="177480" progId="Equation.3">
+                <p:oleObj spid="_x0000_s1104" name="Ecuación" r:id="rId6" imgW="647640" imgH="177480" progId="Equation.3">
                   <p:embed/>
                 </p:oleObj>
               </mc:Choice>
@@ -3303,7 +3303,7 @@
           <a:graphicData uri="http://schemas.openxmlformats.org/presentationml/2006/ole">
             <mc:AlternateContent xmlns:mc="http://schemas.openxmlformats.org/markup-compatibility/2006">
               <mc:Choice xmlns:v="urn:schemas-microsoft-com:vml" Requires="v">
-                <p:oleObj spid="_x0000_s1093" name="Ecuación" r:id="rId8" imgW="482400" imgH="177480" progId="Equation.3">
+                <p:oleObj spid="_x0000_s1105" name="Ecuación" r:id="rId8" imgW="482400" imgH="177480" progId="Equation.3">
                   <p:embed/>
                 </p:oleObj>
               </mc:Choice>
@@ -3386,7 +3386,7 @@
           <a:graphicData uri="http://schemas.openxmlformats.org/presentationml/2006/ole">
             <mc:AlternateContent xmlns:mc="http://schemas.openxmlformats.org/markup-compatibility/2006">
               <mc:Choice xmlns:v="urn:schemas-microsoft-com:vml" Requires="v">
-                <p:oleObj spid="_x0000_s1094" name="Ecuación" r:id="rId10" imgW="482400" imgH="177480" progId="Equation.3">
+                <p:oleObj spid="_x0000_s1106" name="Ecuación" r:id="rId10" imgW="482400" imgH="177480" progId="Equation.3">
                   <p:embed/>
                 </p:oleObj>
               </mc:Choice>
@@ -3456,25 +3456,25 @@
           <p:nvPr>
             <p:extLst>
               <p:ext uri="{D42A27DB-BD31-4B8C-83A1-F6EECF244321}">
-                <p14:modId xmlns:p14="http://schemas.microsoft.com/office/powerpoint/2010/main" val="2355900431"/>
+                <p14:modId xmlns:p14="http://schemas.microsoft.com/office/powerpoint/2010/main" val="3630087024"/>
               </p:ext>
             </p:extLst>
           </p:nvPr>
         </p:nvGraphicFramePr>
         <p:xfrm>
-          <a:off x="1677988" y="6148388"/>
-          <a:ext cx="1460500" cy="361950"/>
+          <a:off x="962025" y="6122988"/>
+          <a:ext cx="2894013" cy="414337"/>
         </p:xfrm>
         <a:graphic>
           <a:graphicData uri="http://schemas.openxmlformats.org/presentationml/2006/ole">
             <mc:AlternateContent xmlns:mc="http://schemas.openxmlformats.org/markup-compatibility/2006">
               <mc:Choice xmlns:v="urn:schemas-microsoft-com:vml" Requires="v">
-                <p:oleObj spid="_x0000_s1095" name="Ecuación" r:id="rId12" imgW="723600" imgH="177480" progId="Equation.3">
+                <p:oleObj spid="_x0000_s1107" name="Ecuación" r:id="rId12" imgW="1434960" imgH="203040" progId="Equation.3">
                   <p:embed/>
                 </p:oleObj>
               </mc:Choice>
               <mc:Fallback>
-                <p:oleObj name="Ecuación" r:id="rId12" imgW="723600" imgH="177480" progId="Equation.3">
+                <p:oleObj name="Ecuación" r:id="rId12" imgW="1434960" imgH="203040" progId="Equation.3">
                   <p:embed/>
                   <p:pic>
                     <p:nvPicPr>
@@ -3493,8 +3493,8 @@
                     </p:blipFill>
                     <p:spPr bwMode="auto">
                       <a:xfrm>
-                        <a:off x="1677988" y="6148388"/>
-                        <a:ext cx="1460500" cy="361950"/>
+                        <a:off x="962025" y="6122988"/>
+                        <a:ext cx="2894013" cy="414337"/>
                       </a:xfrm>
                       <a:prstGeom prst="rect">
                         <a:avLst/>
@@ -3539,25 +3539,25 @@
           <p:nvPr>
             <p:extLst>
               <p:ext uri="{D42A27DB-BD31-4B8C-83A1-F6EECF244321}">
-                <p14:modId xmlns:p14="http://schemas.microsoft.com/office/powerpoint/2010/main" val="411197631"/>
+                <p14:modId xmlns:p14="http://schemas.microsoft.com/office/powerpoint/2010/main" val="3074304950"/>
               </p:ext>
             </p:extLst>
           </p:nvPr>
         </p:nvGraphicFramePr>
         <p:xfrm>
-          <a:off x="6348413" y="6151563"/>
-          <a:ext cx="1463675" cy="361950"/>
+          <a:off x="5643563" y="6126163"/>
+          <a:ext cx="2874962" cy="412750"/>
         </p:xfrm>
         <a:graphic>
           <a:graphicData uri="http://schemas.openxmlformats.org/presentationml/2006/ole">
             <mc:AlternateContent xmlns:mc="http://schemas.openxmlformats.org/markup-compatibility/2006">
               <mc:Choice xmlns:v="urn:schemas-microsoft-com:vml" Requires="v">
-                <p:oleObj spid="_x0000_s1096" name="Ecuación" r:id="rId14" imgW="723600" imgH="177480" progId="Equation.3">
+                <p:oleObj spid="_x0000_s1108" name="Ecuación" r:id="rId14" imgW="1422360" imgH="203040" progId="Equation.3">
                   <p:embed/>
                 </p:oleObj>
               </mc:Choice>
               <mc:Fallback>
-                <p:oleObj name="Ecuación" r:id="rId14" imgW="723600" imgH="177480" progId="Equation.3">
+                <p:oleObj name="Ecuación" r:id="rId14" imgW="1422360" imgH="203040" progId="Equation.3">
                   <p:embed/>
                   <p:pic>
                     <p:nvPicPr>
@@ -3576,8 +3576,8 @@
                     </p:blipFill>
                     <p:spPr bwMode="auto">
                       <a:xfrm>
-                        <a:off x="6348413" y="6151563"/>
-                        <a:ext cx="1463675" cy="361950"/>
+                        <a:off x="5643563" y="6126163"/>
+                        <a:ext cx="2874962" cy="412750"/>
                       </a:xfrm>
                       <a:prstGeom prst="rect">
                         <a:avLst/>
